--- a/Prokarma/Magnetic Work Environment - 1.0.pptx
+++ b/Prokarma/Magnetic Work Environment - 1.0.pptx
@@ -17112,12 +17112,8 @@
               <a:buChar char="ü"/>
             </a:pPr>
             <a:r>
-              <a:rPr lang="en-US" sz="2000" smtClean="0"/>
-              <a:t>How can </a:t>
-            </a:r>
-            <a:r>
               <a:rPr lang="en-US" sz="2000" dirty="0" smtClean="0"/>
-              <a:t>we make employees addicted to work ?</a:t>
+              <a:t>How can we make employees addicted to work ?</a:t>
             </a:r>
           </a:p>
           <a:p>
@@ -21949,12 +21945,9 @@
 </file>
 
 <file path=customXml/item1.xml><?xml version="1.0" encoding="utf-8"?>
-<?mso-contentType ?>
-<FormTemplates xmlns="http://schemas.microsoft.com/sharepoint/v3/contenttype/forms">
-  <Display>DocumentLibraryForm</Display>
-  <Edit>DocumentLibraryForm</Edit>
-  <New>DocumentLibraryForm</New>
-</FormTemplates>
+<p:properties xmlns:p="http://schemas.microsoft.com/office/2006/metadata/properties" xmlns:xsi="http://www.w3.org/2001/XMLSchema-instance" xmlns:pc="http://schemas.microsoft.com/office/infopath/2007/PartnerControls">
+  <documentManagement/>
+</p:properties>
 </file>
 
 <file path=customXml/item2.xml><?xml version="1.0" encoding="utf-8"?>
@@ -22098,15 +22091,19 @@
 </file>
 
 <file path=customXml/item3.xml><?xml version="1.0" encoding="utf-8"?>
-<p:properties xmlns:p="http://schemas.microsoft.com/office/2006/metadata/properties" xmlns:xsi="http://www.w3.org/2001/XMLSchema-instance" xmlns:pc="http://schemas.microsoft.com/office/infopath/2007/PartnerControls">
-  <documentManagement/>
-</p:properties>
+<?mso-contentType ?>
+<FormTemplates xmlns="http://schemas.microsoft.com/sharepoint/v3/contenttype/forms">
+  <Display>DocumentLibraryForm</Display>
+  <Edit>DocumentLibraryForm</Edit>
+  <New>DocumentLibraryForm</New>
+</FormTemplates>
 </file>
 
 <file path=customXml/itemProps1.xml><?xml version="1.0" encoding="utf-8"?>
-<ds:datastoreItem xmlns:ds="http://schemas.openxmlformats.org/officeDocument/2006/customXml" ds:itemID="{F7CCFA03-50CA-476E-8B8B-49D774F043AB}">
+<ds:datastoreItem xmlns:ds="http://schemas.openxmlformats.org/officeDocument/2006/customXml" ds:itemID="{1DA5CB71-27A8-4F27-B3EF-0B7C3FFAE0B8}">
   <ds:schemaRefs>
-    <ds:schemaRef ds:uri="http://schemas.microsoft.com/sharepoint/v3/contenttype/forms"/>
+    <ds:schemaRef ds:uri="http://schemas.microsoft.com/office/2006/metadata/properties"/>
+    <ds:schemaRef ds:uri="http://schemas.microsoft.com/office/infopath/2007/PartnerControls"/>
   </ds:schemaRefs>
 </ds:datastoreItem>
 </file>
@@ -22130,10 +22127,9 @@
 </file>
 
 <file path=customXml/itemProps3.xml><?xml version="1.0" encoding="utf-8"?>
-<ds:datastoreItem xmlns:ds="http://schemas.openxmlformats.org/officeDocument/2006/customXml" ds:itemID="{1DA5CB71-27A8-4F27-B3EF-0B7C3FFAE0B8}">
+<ds:datastoreItem xmlns:ds="http://schemas.openxmlformats.org/officeDocument/2006/customXml" ds:itemID="{F7CCFA03-50CA-476E-8B8B-49D774F043AB}">
   <ds:schemaRefs>
-    <ds:schemaRef ds:uri="http://schemas.microsoft.com/office/2006/metadata/properties"/>
-    <ds:schemaRef ds:uri="http://schemas.microsoft.com/office/infopath/2007/PartnerControls"/>
+    <ds:schemaRef ds:uri="http://schemas.microsoft.com/sharepoint/v3/contenttype/forms"/>
   </ds:schemaRefs>
 </ds:datastoreItem>
 </file>
--- a/Prokarma/Magnetic Work Environment - 1.0.pptx
+++ b/Prokarma/Magnetic Work Environment - 1.0.pptx
@@ -21945,9 +21945,12 @@
 </file>
 
 <file path=customXml/item1.xml><?xml version="1.0" encoding="utf-8"?>
-<p:properties xmlns:p="http://schemas.microsoft.com/office/2006/metadata/properties" xmlns:xsi="http://www.w3.org/2001/XMLSchema-instance" xmlns:pc="http://schemas.microsoft.com/office/infopath/2007/PartnerControls">
-  <documentManagement/>
-</p:properties>
+<?mso-contentType ?>
+<FormTemplates xmlns="http://schemas.microsoft.com/sharepoint/v3/contenttype/forms">
+  <Display>DocumentLibraryForm</Display>
+  <Edit>DocumentLibraryForm</Edit>
+  <New>DocumentLibraryForm</New>
+</FormTemplates>
 </file>
 
 <file path=customXml/item2.xml><?xml version="1.0" encoding="utf-8"?>
@@ -22091,19 +22094,15 @@
 </file>
 
 <file path=customXml/item3.xml><?xml version="1.0" encoding="utf-8"?>
-<?mso-contentType ?>
-<FormTemplates xmlns="http://schemas.microsoft.com/sharepoint/v3/contenttype/forms">
-  <Display>DocumentLibraryForm</Display>
-  <Edit>DocumentLibraryForm</Edit>
-  <New>DocumentLibraryForm</New>
-</FormTemplates>
+<p:properties xmlns:p="http://schemas.microsoft.com/office/2006/metadata/properties" xmlns:xsi="http://www.w3.org/2001/XMLSchema-instance" xmlns:pc="http://schemas.microsoft.com/office/infopath/2007/PartnerControls">
+  <documentManagement/>
+</p:properties>
 </file>
 
 <file path=customXml/itemProps1.xml><?xml version="1.0" encoding="utf-8"?>
-<ds:datastoreItem xmlns:ds="http://schemas.openxmlformats.org/officeDocument/2006/customXml" ds:itemID="{1DA5CB71-27A8-4F27-B3EF-0B7C3FFAE0B8}">
+<ds:datastoreItem xmlns:ds="http://schemas.openxmlformats.org/officeDocument/2006/customXml" ds:itemID="{F7CCFA03-50CA-476E-8B8B-49D774F043AB}">
   <ds:schemaRefs>
-    <ds:schemaRef ds:uri="http://schemas.microsoft.com/office/2006/metadata/properties"/>
-    <ds:schemaRef ds:uri="http://schemas.microsoft.com/office/infopath/2007/PartnerControls"/>
+    <ds:schemaRef ds:uri="http://schemas.microsoft.com/sharepoint/v3/contenttype/forms"/>
   </ds:schemaRefs>
 </ds:datastoreItem>
 </file>
@@ -22127,9 +22126,10 @@
 </file>
 
 <file path=customXml/itemProps3.xml><?xml version="1.0" encoding="utf-8"?>
-<ds:datastoreItem xmlns:ds="http://schemas.openxmlformats.org/officeDocument/2006/customXml" ds:itemID="{F7CCFA03-50CA-476E-8B8B-49D774F043AB}">
+<ds:datastoreItem xmlns:ds="http://schemas.openxmlformats.org/officeDocument/2006/customXml" ds:itemID="{1DA5CB71-27A8-4F27-B3EF-0B7C3FFAE0B8}">
   <ds:schemaRefs>
-    <ds:schemaRef ds:uri="http://schemas.microsoft.com/sharepoint/v3/contenttype/forms"/>
+    <ds:schemaRef ds:uri="http://schemas.microsoft.com/office/2006/metadata/properties"/>
+    <ds:schemaRef ds:uri="http://schemas.microsoft.com/office/infopath/2007/PartnerControls"/>
   </ds:schemaRefs>
 </ds:datastoreItem>
 </file>